--- a/note/1_JAVA/1204.9_접근제한의 종류와 static.pptx
+++ b/note/1_JAVA/1204.9_접근제한의 종류와 static.pptx
@@ -8,7 +8,8 @@
     <p:sldId id="261" r:id="rId2"/>
     <p:sldId id="259" r:id="rId3"/>
     <p:sldId id="260" r:id="rId4"/>
-    <p:sldId id="257" r:id="rId5"/>
+    <p:sldId id="262" r:id="rId5"/>
+    <p:sldId id="257" r:id="rId6"/>
   </p:sldIdLst>
   <p:sldSz cx="9144000" cy="6858000" type="screen4x3"/>
   <p:notesSz cx="6858000" cy="9144000"/>
@@ -109,7 +110,7 @@
   </p:defaultTextStyle>
   <p:extLst>
     <p:ext uri="{EFAFB233-063F-42B5-8137-9DF3F51BA10A}">
-      <p15:sldGuideLst xmlns:p15="http://schemas.microsoft.com/office/powerpoint/2012/main">
+      <p15:sldGuideLst xmlns:p15="http://schemas.microsoft.com/office/powerpoint/2012/main" xmlns="">
         <p15:guide id="1" orient="horz" pos="2160">
           <p15:clr>
             <a:srgbClr val="A4A3A4"/>
@@ -305,7 +306,7 @@
           <a:p>
             <a:fld id="{DD59A891-49C1-45FF-9FE8-4C997F3A508D}" type="datetimeFigureOut">
               <a:rPr lang="ko-KR" altLang="en-US" smtClean="0"/>
-              <a:t>2020-12-03</a:t>
+              <a:t>2020-12-04</a:t>
             </a:fld>
             <a:endParaRPr lang="ko-KR" altLang="en-US"/>
           </a:p>
@@ -473,7 +474,7 @@
           <a:p>
             <a:fld id="{DD59A891-49C1-45FF-9FE8-4C997F3A508D}" type="datetimeFigureOut">
               <a:rPr lang="ko-KR" altLang="en-US" smtClean="0"/>
-              <a:t>2020-12-03</a:t>
+              <a:t>2020-12-04</a:t>
             </a:fld>
             <a:endParaRPr lang="ko-KR" altLang="en-US"/>
           </a:p>
@@ -651,7 +652,7 @@
           <a:p>
             <a:fld id="{DD59A891-49C1-45FF-9FE8-4C997F3A508D}" type="datetimeFigureOut">
               <a:rPr lang="ko-KR" altLang="en-US" smtClean="0"/>
-              <a:t>2020-12-03</a:t>
+              <a:t>2020-12-04</a:t>
             </a:fld>
             <a:endParaRPr lang="ko-KR" altLang="en-US"/>
           </a:p>
@@ -819,7 +820,7 @@
           <a:p>
             <a:fld id="{DD59A891-49C1-45FF-9FE8-4C997F3A508D}" type="datetimeFigureOut">
               <a:rPr lang="ko-KR" altLang="en-US" smtClean="0"/>
-              <a:t>2020-12-03</a:t>
+              <a:t>2020-12-04</a:t>
             </a:fld>
             <a:endParaRPr lang="ko-KR" altLang="en-US"/>
           </a:p>
@@ -1064,7 +1065,7 @@
           <a:p>
             <a:fld id="{DD59A891-49C1-45FF-9FE8-4C997F3A508D}" type="datetimeFigureOut">
               <a:rPr lang="ko-KR" altLang="en-US" smtClean="0"/>
-              <a:t>2020-12-03</a:t>
+              <a:t>2020-12-04</a:t>
             </a:fld>
             <a:endParaRPr lang="ko-KR" altLang="en-US"/>
           </a:p>
@@ -1349,7 +1350,7 @@
           <a:p>
             <a:fld id="{DD59A891-49C1-45FF-9FE8-4C997F3A508D}" type="datetimeFigureOut">
               <a:rPr lang="ko-KR" altLang="en-US" smtClean="0"/>
-              <a:t>2020-12-03</a:t>
+              <a:t>2020-12-04</a:t>
             </a:fld>
             <a:endParaRPr lang="ko-KR" altLang="en-US"/>
           </a:p>
@@ -1768,7 +1769,7 @@
           <a:p>
             <a:fld id="{DD59A891-49C1-45FF-9FE8-4C997F3A508D}" type="datetimeFigureOut">
               <a:rPr lang="ko-KR" altLang="en-US" smtClean="0"/>
-              <a:t>2020-12-03</a:t>
+              <a:t>2020-12-04</a:t>
             </a:fld>
             <a:endParaRPr lang="ko-KR" altLang="en-US"/>
           </a:p>
@@ -1885,7 +1886,7 @@
           <a:p>
             <a:fld id="{DD59A891-49C1-45FF-9FE8-4C997F3A508D}" type="datetimeFigureOut">
               <a:rPr lang="ko-KR" altLang="en-US" smtClean="0"/>
-              <a:t>2020-12-03</a:t>
+              <a:t>2020-12-04</a:t>
             </a:fld>
             <a:endParaRPr lang="ko-KR" altLang="en-US"/>
           </a:p>
@@ -1980,7 +1981,7 @@
           <a:p>
             <a:fld id="{DD59A891-49C1-45FF-9FE8-4C997F3A508D}" type="datetimeFigureOut">
               <a:rPr lang="ko-KR" altLang="en-US" smtClean="0"/>
-              <a:t>2020-12-03</a:t>
+              <a:t>2020-12-04</a:t>
             </a:fld>
             <a:endParaRPr lang="ko-KR" altLang="en-US"/>
           </a:p>
@@ -2255,7 +2256,7 @@
           <a:p>
             <a:fld id="{DD59A891-49C1-45FF-9FE8-4C997F3A508D}" type="datetimeFigureOut">
               <a:rPr lang="ko-KR" altLang="en-US" smtClean="0"/>
-              <a:t>2020-12-03</a:t>
+              <a:t>2020-12-04</a:t>
             </a:fld>
             <a:endParaRPr lang="ko-KR" altLang="en-US"/>
           </a:p>
@@ -2507,7 +2508,7 @@
           <a:p>
             <a:fld id="{DD59A891-49C1-45FF-9FE8-4C997F3A508D}" type="datetimeFigureOut">
               <a:rPr lang="ko-KR" altLang="en-US" smtClean="0"/>
-              <a:t>2020-12-03</a:t>
+              <a:t>2020-12-04</a:t>
             </a:fld>
             <a:endParaRPr lang="ko-KR" altLang="en-US"/>
           </a:p>
@@ -2718,7 +2719,7 @@
           <a:p>
             <a:fld id="{DD59A891-49C1-45FF-9FE8-4C997F3A508D}" type="datetimeFigureOut">
               <a:rPr lang="ko-KR" altLang="en-US" smtClean="0"/>
-              <a:t>2020-12-03</a:t>
+              <a:t>2020-12-04</a:t>
             </a:fld>
             <a:endParaRPr lang="ko-KR" altLang="en-US"/>
           </a:p>
@@ -3204,21 +3205,21 @@
                 <a:gridCol w="1496053">
                   <a:extLst>
                     <a:ext uri="{9D8B030D-6E8A-4147-A177-3AD203B41FA5}">
-                      <a16:colId xmlns:a16="http://schemas.microsoft.com/office/drawing/2014/main" val="2359738744"/>
+                      <a16:colId xmlns:a16="http://schemas.microsoft.com/office/drawing/2014/main" xmlns="" val="2359738744"/>
                     </a:ext>
                   </a:extLst>
                 </a:gridCol>
                 <a:gridCol w="1496053">
                   <a:extLst>
                     <a:ext uri="{9D8B030D-6E8A-4147-A177-3AD203B41FA5}">
-                      <a16:colId xmlns:a16="http://schemas.microsoft.com/office/drawing/2014/main" val="2771269750"/>
+                      <a16:colId xmlns:a16="http://schemas.microsoft.com/office/drawing/2014/main" xmlns="" val="2771269750"/>
                     </a:ext>
                   </a:extLst>
                 </a:gridCol>
                 <a:gridCol w="1496053">
                   <a:extLst>
                     <a:ext uri="{9D8B030D-6E8A-4147-A177-3AD203B41FA5}">
-                      <a16:colId xmlns:a16="http://schemas.microsoft.com/office/drawing/2014/main" val="673905405"/>
+                      <a16:colId xmlns:a16="http://schemas.microsoft.com/office/drawing/2014/main" xmlns="" val="673905405"/>
                     </a:ext>
                   </a:extLst>
                 </a:gridCol>
@@ -3271,7 +3272,7 @@
                 </a:tc>
                 <a:extLst>
                   <a:ext uri="{0D108BD9-81ED-4DB2-BD59-A6C34878D82A}">
-                    <a16:rowId xmlns:a16="http://schemas.microsoft.com/office/drawing/2014/main" val="4175701772"/>
+                    <a16:rowId xmlns:a16="http://schemas.microsoft.com/office/drawing/2014/main" xmlns="" val="4175701772"/>
                   </a:ext>
                 </a:extLst>
               </a:tr>
@@ -4637,6 +4638,13 @@
   <p:clrMapOvr>
     <a:masterClrMapping/>
   </p:clrMapOvr>
+  <p:timing>
+    <p:tnLst>
+      <p:par>
+        <p:cTn id="1" dur="indefinite" restart="never" nodeType="tmRoot"/>
+      </p:par>
+    </p:tnLst>
+  </p:timing>
 </p:sld>
 </file>
 
@@ -4665,7 +4673,7 @@
         </p:nvGrpSpPr>
         <p:grpSpPr>
           <a:xfrm>
-            <a:off x="2195736" y="332656"/>
+            <a:off x="1115616" y="332656"/>
             <a:ext cx="4139952" cy="1800200"/>
             <a:chOff x="251520" y="116632"/>
             <a:chExt cx="4139952" cy="2880320"/>
@@ -4676,7 +4684,7 @@
             <p:cNvPr id="6" name="타원 5">
               <a:extLst>
                 <a:ext uri="{FF2B5EF4-FFF2-40B4-BE49-F238E27FC236}">
-                  <a16:creationId xmlns:a16="http://schemas.microsoft.com/office/drawing/2014/main" id="{1B3EBFAA-FB6E-4BAD-A580-8B47788B223F}"/>
+                  <a16:creationId xmlns:a16="http://schemas.microsoft.com/office/drawing/2014/main" xmlns="" id="{1B3EBFAA-FB6E-4BAD-A580-8B47788B223F}"/>
                 </a:ext>
               </a:extLst>
             </p:cNvPr>
@@ -4730,7 +4738,7 @@
                 </a:rPr>
                 <a:t>(money:2000)</a:t>
               </a:r>
-              <a:endParaRPr lang="en-US" altLang="ko-KR" sz="2400" b="1" dirty="0">
+              <a:endParaRPr lang="en-US" altLang="ko-KR" sz="2400" b="1" dirty="0" smtClean="0">
                 <a:solidFill>
                   <a:schemeClr val="tx1"/>
                 </a:solidFill>
@@ -4739,13 +4747,18 @@
             <a:p>
               <a:pPr algn="ctr"/>
               <a:r>
-                <a:rPr lang="en-US" altLang="ko-KR" sz="2400" b="1" dirty="0">
+                <a:rPr lang="en-US" altLang="ko-KR" sz="2400" b="1" dirty="0" smtClean="0">
                   <a:solidFill>
                     <a:schemeClr val="tx1"/>
                   </a:solidFill>
                 </a:rPr>
                 <a:t>name</a:t>
               </a:r>
+              <a:endParaRPr lang="en-US" altLang="ko-KR" sz="2400" b="1" dirty="0">
+                <a:solidFill>
+                  <a:schemeClr val="tx1"/>
+                </a:solidFill>
+              </a:endParaRPr>
             </a:p>
             <a:p>
               <a:pPr algn="ctr"/>
@@ -4786,7 +4799,7 @@
             <p:cNvPr id="3" name="직선 연결선 2">
               <a:extLst>
                 <a:ext uri="{FF2B5EF4-FFF2-40B4-BE49-F238E27FC236}">
-                  <a16:creationId xmlns:a16="http://schemas.microsoft.com/office/drawing/2014/main" id="{B9E9655D-69FB-4E56-A503-FA0DBF7320C9}"/>
+                  <a16:creationId xmlns:a16="http://schemas.microsoft.com/office/drawing/2014/main" xmlns="" id="{B9E9655D-69FB-4E56-A503-FA0DBF7320C9}"/>
                 </a:ext>
               </a:extLst>
             </p:cNvPr>
@@ -4827,7 +4840,7 @@
         </p:nvGrpSpPr>
         <p:grpSpPr>
           <a:xfrm>
-            <a:off x="2321496" y="2270287"/>
+            <a:off x="1241376" y="2270287"/>
             <a:ext cx="4122712" cy="1950801"/>
             <a:chOff x="1907704" y="3356992"/>
             <a:chExt cx="3888432" cy="3024336"/>
@@ -4838,7 +4851,7 @@
             <p:cNvPr id="8" name="타원 7">
               <a:extLst>
                 <a:ext uri="{FF2B5EF4-FFF2-40B4-BE49-F238E27FC236}">
-                  <a16:creationId xmlns:a16="http://schemas.microsoft.com/office/drawing/2014/main" id="{5BAAF289-A136-4CFD-9351-DFA610F44B16}"/>
+                  <a16:creationId xmlns:a16="http://schemas.microsoft.com/office/drawing/2014/main" xmlns="" id="{5BAAF289-A136-4CFD-9351-DFA610F44B16}"/>
                 </a:ext>
               </a:extLst>
             </p:cNvPr>
@@ -4877,7 +4890,7 @@
             <a:p>
               <a:pPr algn="ctr"/>
               <a:r>
-                <a:rPr lang="en-US" altLang="ko-KR" sz="2400" b="1" dirty="0" err="1">
+                <a:rPr lang="en-US" altLang="ko-KR" sz="2400" b="1" dirty="0" err="1" smtClean="0">
                   <a:solidFill>
                     <a:schemeClr val="tx1"/>
                   </a:solidFill>
@@ -4885,14 +4898,14 @@
                 <a:t>momPouch</a:t>
               </a:r>
               <a:r>
-                <a:rPr lang="en-US" altLang="ko-KR" sz="1400" b="1" dirty="0">
+                <a:rPr lang="en-US" altLang="ko-KR" sz="1400" b="1" dirty="0" smtClean="0">
                   <a:solidFill>
                     <a:schemeClr val="tx1"/>
                   </a:solidFill>
                 </a:rPr>
                 <a:t>(money:2000)</a:t>
               </a:r>
-              <a:endParaRPr lang="en-US" altLang="ko-KR" sz="2400" b="1" dirty="0">
+              <a:endParaRPr lang="en-US" altLang="ko-KR" sz="2400" b="1" dirty="0" smtClean="0">
                 <a:solidFill>
                   <a:schemeClr val="tx1"/>
                 </a:solidFill>
@@ -4901,13 +4914,18 @@
             <a:p>
               <a:pPr algn="ctr"/>
               <a:r>
-                <a:rPr lang="en-US" altLang="ko-KR" sz="2400" b="1" dirty="0">
+                <a:rPr lang="en-US" altLang="ko-KR" sz="2400" b="1" dirty="0" smtClean="0">
                   <a:solidFill>
                     <a:schemeClr val="tx1"/>
                   </a:solidFill>
                 </a:rPr>
                 <a:t>name</a:t>
               </a:r>
+              <a:endParaRPr lang="en-US" altLang="ko-KR" sz="2400" b="1" dirty="0">
+                <a:solidFill>
+                  <a:schemeClr val="tx1"/>
+                </a:solidFill>
+              </a:endParaRPr>
             </a:p>
             <a:p>
               <a:pPr algn="ctr"/>
@@ -4948,7 +4966,7 @@
             <p:cNvPr id="10" name="직선 연결선 9">
               <a:extLst>
                 <a:ext uri="{FF2B5EF4-FFF2-40B4-BE49-F238E27FC236}">
-                  <a16:creationId xmlns:a16="http://schemas.microsoft.com/office/drawing/2014/main" id="{5E3EE570-7082-46B0-B270-7AB73EE30002}"/>
+                  <a16:creationId xmlns:a16="http://schemas.microsoft.com/office/drawing/2014/main" xmlns="" id="{5E3EE570-7082-46B0-B270-7AB73EE30002}"/>
                 </a:ext>
               </a:extLst>
             </p:cNvPr>
@@ -4991,7 +5009,7 @@
         </p:nvGrpSpPr>
         <p:grpSpPr>
           <a:xfrm>
-            <a:off x="2339752" y="4362815"/>
+            <a:off x="1259632" y="4362815"/>
             <a:ext cx="4104456" cy="1872208"/>
             <a:chOff x="4932040" y="4509120"/>
             <a:chExt cx="4104456" cy="1872208"/>
@@ -5002,7 +5020,7 @@
             <p:cNvPr id="9" name="타원 8">
               <a:extLst>
                 <a:ext uri="{FF2B5EF4-FFF2-40B4-BE49-F238E27FC236}">
-                  <a16:creationId xmlns:a16="http://schemas.microsoft.com/office/drawing/2014/main" id="{98A7B190-17B0-42C3-941F-F6280F5BE20B}"/>
+                  <a16:creationId xmlns:a16="http://schemas.microsoft.com/office/drawing/2014/main" xmlns="" id="{98A7B190-17B0-42C3-941F-F6280F5BE20B}"/>
                 </a:ext>
               </a:extLst>
             </p:cNvPr>
@@ -5041,7 +5059,7 @@
             <a:p>
               <a:pPr algn="ctr"/>
               <a:r>
-                <a:rPr lang="en-US" altLang="ko-KR" sz="2400" b="1" dirty="0" err="1">
+                <a:rPr lang="en-US" altLang="ko-KR" sz="2400" b="1" dirty="0" err="1" smtClean="0">
                   <a:solidFill>
                     <a:schemeClr val="tx1"/>
                   </a:solidFill>
@@ -5049,14 +5067,14 @@
                 <a:t>momPouch</a:t>
               </a:r>
               <a:r>
-                <a:rPr lang="en-US" altLang="ko-KR" sz="1600" b="1" dirty="0">
+                <a:rPr lang="en-US" altLang="ko-KR" sz="1600" b="1" dirty="0" smtClean="0">
                   <a:solidFill>
                     <a:schemeClr val="tx1"/>
                   </a:solidFill>
                 </a:rPr>
                 <a:t>(money:2000)</a:t>
               </a:r>
-              <a:endParaRPr lang="en-US" altLang="ko-KR" sz="2400" b="1" dirty="0">
+              <a:endParaRPr lang="en-US" altLang="ko-KR" sz="2400" b="1" dirty="0" smtClean="0">
                 <a:solidFill>
                   <a:schemeClr val="tx1"/>
                 </a:solidFill>
@@ -5065,13 +5083,18 @@
             <a:p>
               <a:pPr algn="ctr"/>
               <a:r>
-                <a:rPr lang="en-US" altLang="ko-KR" sz="2400" b="1" dirty="0">
+                <a:rPr lang="en-US" altLang="ko-KR" sz="2400" b="1" dirty="0" smtClean="0">
                   <a:solidFill>
                     <a:schemeClr val="tx1"/>
                   </a:solidFill>
                 </a:rPr>
                 <a:t>name</a:t>
               </a:r>
+              <a:endParaRPr lang="en-US" altLang="ko-KR" sz="2400" b="1" dirty="0">
+                <a:solidFill>
+                  <a:schemeClr val="tx1"/>
+                </a:solidFill>
+              </a:endParaRPr>
             </a:p>
             <a:p>
               <a:pPr algn="ctr"/>
@@ -5112,7 +5135,7 @@
             <p:cNvPr id="11" name="직선 연결선 10">
               <a:extLst>
                 <a:ext uri="{FF2B5EF4-FFF2-40B4-BE49-F238E27FC236}">
-                  <a16:creationId xmlns:a16="http://schemas.microsoft.com/office/drawing/2014/main" id="{1D95D00A-B593-4118-A65C-1D49748181D2}"/>
+                  <a16:creationId xmlns:a16="http://schemas.microsoft.com/office/drawing/2014/main" xmlns="" id="{1D95D00A-B593-4118-A65C-1D49748181D2}"/>
                 </a:ext>
               </a:extLst>
             </p:cNvPr>
@@ -5155,10 +5178,527 @@
   <p:clrMapOvr>
     <a:masterClrMapping/>
   </p:clrMapOvr>
+  <p:timing>
+    <p:tnLst>
+      <p:par>
+        <p:cTn id="1" dur="indefinite" restart="never" nodeType="tmRoot"/>
+      </p:par>
+    </p:tnLst>
+  </p:timing>
 </p:sld>
 </file>
 
 <file path=ppt/slides/slide4.xml><?xml version="1.0" encoding="utf-8"?>
+<p:sld xmlns:a="http://schemas.openxmlformats.org/drawingml/2006/main" xmlns:r="http://schemas.openxmlformats.org/officeDocument/2006/relationships" xmlns:p="http://schemas.openxmlformats.org/presentationml/2006/main">
+  <p:cSld>
+    <p:spTree>
+      <p:nvGrpSpPr>
+        <p:cNvPr id="1" name=""/>
+        <p:cNvGrpSpPr/>
+        <p:nvPr/>
+      </p:nvGrpSpPr>
+      <p:grpSpPr>
+        <a:xfrm>
+          <a:off x="0" y="0"/>
+          <a:ext cx="0" cy="0"/>
+          <a:chOff x="0" y="0"/>
+          <a:chExt cx="0" cy="0"/>
+        </a:xfrm>
+      </p:grpSpPr>
+      <p:grpSp>
+        <p:nvGrpSpPr>
+          <p:cNvPr id="17" name="그룹 16"/>
+          <p:cNvGrpSpPr/>
+          <p:nvPr/>
+        </p:nvGrpSpPr>
+        <p:grpSpPr>
+          <a:xfrm>
+            <a:off x="1115616" y="332656"/>
+            <a:ext cx="4139952" cy="1800200"/>
+            <a:chOff x="251520" y="116632"/>
+            <a:chExt cx="4139952" cy="2880320"/>
+          </a:xfrm>
+        </p:grpSpPr>
+        <p:sp>
+          <p:nvSpPr>
+            <p:cNvPr id="6" name="타원 5">
+              <a:extLst>
+                <a:ext uri="{FF2B5EF4-FFF2-40B4-BE49-F238E27FC236}">
+                  <a16:creationId xmlns:a16="http://schemas.microsoft.com/office/drawing/2014/main" xmlns="" id="{1B3EBFAA-FB6E-4BAD-A580-8B47788B223F}"/>
+                </a:ext>
+              </a:extLst>
+            </p:cNvPr>
+            <p:cNvSpPr/>
+            <p:nvPr/>
+          </p:nvSpPr>
+          <p:spPr>
+            <a:xfrm>
+              <a:off x="251520" y="116632"/>
+              <a:ext cx="4139952" cy="2880320"/>
+            </a:xfrm>
+            <a:prstGeom prst="ellipse">
+              <a:avLst/>
+            </a:prstGeom>
+            <a:noFill/>
+          </p:spPr>
+          <p:style>
+            <a:lnRef idx="2">
+              <a:schemeClr val="accent1">
+                <a:shade val="50000"/>
+              </a:schemeClr>
+            </a:lnRef>
+            <a:fillRef idx="1">
+              <a:schemeClr val="accent1"/>
+            </a:fillRef>
+            <a:effectRef idx="0">
+              <a:schemeClr val="accent1"/>
+            </a:effectRef>
+            <a:fontRef idx="minor">
+              <a:schemeClr val="lt1"/>
+            </a:fontRef>
+          </p:style>
+          <p:txBody>
+            <a:bodyPr lIns="0" tIns="0" rIns="0" bIns="0" rtlCol="0" anchor="ctr" anchorCtr="0"/>
+            <a:lstStyle/>
+            <a:p>
+              <a:pPr algn="ctr"/>
+              <a:r>
+                <a:rPr lang="en-US" altLang="ko-KR" sz="2400" b="1" dirty="0" smtClean="0">
+                  <a:solidFill>
+                    <a:schemeClr val="tx1"/>
+                  </a:solidFill>
+                </a:rPr>
+                <a:t>name</a:t>
+              </a:r>
+              <a:endParaRPr lang="en-US" altLang="ko-KR" sz="2400" b="1" dirty="0">
+                <a:solidFill>
+                  <a:schemeClr val="tx1"/>
+                </a:solidFill>
+              </a:endParaRPr>
+            </a:p>
+            <a:p>
+              <a:pPr algn="ctr"/>
+              <a:endParaRPr lang="en-US" altLang="ko-KR" sz="2400" b="1" dirty="0">
+                <a:solidFill>
+                  <a:schemeClr val="tx1"/>
+                </a:solidFill>
+              </a:endParaRPr>
+            </a:p>
+            <a:p>
+              <a:pPr algn="ctr"/>
+              <a:r>
+                <a:rPr lang="en-US" altLang="ko-KR" sz="2400" b="1" dirty="0" err="1">
+                  <a:solidFill>
+                    <a:schemeClr val="tx1"/>
+                  </a:solidFill>
+                </a:rPr>
+                <a:t>takeMoney</a:t>
+              </a:r>
+              <a:r>
+                <a:rPr lang="en-US" altLang="ko-KR" sz="2400" b="1" dirty="0">
+                  <a:solidFill>
+                    <a:schemeClr val="tx1"/>
+                  </a:solidFill>
+                </a:rPr>
+                <a:t>(1000)</a:t>
+              </a:r>
+              <a:endParaRPr lang="ko-KR" altLang="en-US" sz="2400" b="1" dirty="0">
+                <a:solidFill>
+                  <a:schemeClr val="tx1"/>
+                </a:solidFill>
+              </a:endParaRPr>
+            </a:p>
+          </p:txBody>
+        </p:sp>
+        <p:cxnSp>
+          <p:nvCxnSpPr>
+            <p:cNvPr id="3" name="직선 연결선 2">
+              <a:extLst>
+                <a:ext uri="{FF2B5EF4-FFF2-40B4-BE49-F238E27FC236}">
+                  <a16:creationId xmlns:a16="http://schemas.microsoft.com/office/drawing/2014/main" xmlns="" id="{B9E9655D-69FB-4E56-A503-FA0DBF7320C9}"/>
+                </a:ext>
+              </a:extLst>
+            </p:cNvPr>
+            <p:cNvCxnSpPr/>
+            <p:nvPr/>
+          </p:nvCxnSpPr>
+          <p:spPr>
+            <a:xfrm flipV="1">
+              <a:off x="251520" y="1628800"/>
+              <a:ext cx="4139952" cy="72008"/>
+            </a:xfrm>
+            <a:prstGeom prst="line">
+              <a:avLst/>
+            </a:prstGeom>
+            <a:ln w="25400"/>
+          </p:spPr>
+          <p:style>
+            <a:lnRef idx="1">
+              <a:schemeClr val="accent1"/>
+            </a:lnRef>
+            <a:fillRef idx="0">
+              <a:schemeClr val="accent1"/>
+            </a:fillRef>
+            <a:effectRef idx="0">
+              <a:schemeClr val="accent1"/>
+            </a:effectRef>
+            <a:fontRef idx="minor">
+              <a:schemeClr val="tx1"/>
+            </a:fontRef>
+          </p:style>
+        </p:cxnSp>
+      </p:grpSp>
+      <p:grpSp>
+        <p:nvGrpSpPr>
+          <p:cNvPr id="19" name="그룹 18"/>
+          <p:cNvGrpSpPr/>
+          <p:nvPr/>
+        </p:nvGrpSpPr>
+        <p:grpSpPr>
+          <a:xfrm>
+            <a:off x="1241376" y="2270287"/>
+            <a:ext cx="4122712" cy="1950801"/>
+            <a:chOff x="1907704" y="3356992"/>
+            <a:chExt cx="3888432" cy="3024336"/>
+          </a:xfrm>
+        </p:grpSpPr>
+        <p:sp>
+          <p:nvSpPr>
+            <p:cNvPr id="8" name="타원 7">
+              <a:extLst>
+                <a:ext uri="{FF2B5EF4-FFF2-40B4-BE49-F238E27FC236}">
+                  <a16:creationId xmlns:a16="http://schemas.microsoft.com/office/drawing/2014/main" xmlns="" id="{5BAAF289-A136-4CFD-9351-DFA610F44B16}"/>
+                </a:ext>
+              </a:extLst>
+            </p:cNvPr>
+            <p:cNvSpPr/>
+            <p:nvPr/>
+          </p:nvSpPr>
+          <p:spPr>
+            <a:xfrm>
+              <a:off x="1907704" y="3356992"/>
+              <a:ext cx="3888432" cy="3024336"/>
+            </a:xfrm>
+            <a:prstGeom prst="ellipse">
+              <a:avLst/>
+            </a:prstGeom>
+            <a:noFill/>
+          </p:spPr>
+          <p:style>
+            <a:lnRef idx="2">
+              <a:schemeClr val="accent1">
+                <a:shade val="50000"/>
+              </a:schemeClr>
+            </a:lnRef>
+            <a:fillRef idx="1">
+              <a:schemeClr val="accent1"/>
+            </a:fillRef>
+            <a:effectRef idx="0">
+              <a:schemeClr val="accent1"/>
+            </a:effectRef>
+            <a:fontRef idx="minor">
+              <a:schemeClr val="lt1"/>
+            </a:fontRef>
+          </p:style>
+          <p:txBody>
+            <a:bodyPr lIns="0" tIns="0" rIns="0" bIns="0" rtlCol="0" anchor="ctr" anchorCtr="0"/>
+            <a:lstStyle/>
+            <a:p>
+              <a:pPr algn="ctr"/>
+              <a:r>
+                <a:rPr lang="en-US" altLang="ko-KR" sz="2400" b="1" dirty="0" smtClean="0">
+                  <a:solidFill>
+                    <a:schemeClr val="tx1"/>
+                  </a:solidFill>
+                </a:rPr>
+                <a:t>name</a:t>
+              </a:r>
+              <a:endParaRPr lang="en-US" altLang="ko-KR" sz="2400" b="1" dirty="0">
+                <a:solidFill>
+                  <a:schemeClr val="tx1"/>
+                </a:solidFill>
+              </a:endParaRPr>
+            </a:p>
+            <a:p>
+              <a:pPr algn="ctr"/>
+              <a:endParaRPr lang="en-US" altLang="ko-KR" sz="2400" b="1" dirty="0">
+                <a:solidFill>
+                  <a:schemeClr val="tx1"/>
+                </a:solidFill>
+              </a:endParaRPr>
+            </a:p>
+            <a:p>
+              <a:pPr algn="ctr"/>
+              <a:r>
+                <a:rPr lang="en-US" altLang="ko-KR" sz="2400" b="1" dirty="0" err="1">
+                  <a:solidFill>
+                    <a:schemeClr val="tx1"/>
+                  </a:solidFill>
+                </a:rPr>
+                <a:t>takeMoney</a:t>
+              </a:r>
+              <a:r>
+                <a:rPr lang="en-US" altLang="ko-KR" sz="2400" b="1" dirty="0">
+                  <a:solidFill>
+                    <a:schemeClr val="tx1"/>
+                  </a:solidFill>
+                </a:rPr>
+                <a:t>(1000)</a:t>
+              </a:r>
+              <a:endParaRPr lang="ko-KR" altLang="en-US" sz="2400" b="1" dirty="0">
+                <a:solidFill>
+                  <a:schemeClr val="tx1"/>
+                </a:solidFill>
+              </a:endParaRPr>
+            </a:p>
+          </p:txBody>
+        </p:sp>
+        <p:cxnSp>
+          <p:nvCxnSpPr>
+            <p:cNvPr id="10" name="직선 연결선 9">
+              <a:extLst>
+                <a:ext uri="{FF2B5EF4-FFF2-40B4-BE49-F238E27FC236}">
+                  <a16:creationId xmlns:a16="http://schemas.microsoft.com/office/drawing/2014/main" xmlns="" id="{5E3EE570-7082-46B0-B270-7AB73EE30002}"/>
+                </a:ext>
+              </a:extLst>
+            </p:cNvPr>
+            <p:cNvCxnSpPr>
+              <a:endCxn id="8" idx="6"/>
+            </p:cNvCxnSpPr>
+            <p:nvPr/>
+          </p:nvCxnSpPr>
+          <p:spPr>
+            <a:xfrm flipV="1">
+              <a:off x="1907704" y="4869160"/>
+              <a:ext cx="3888432" cy="144016"/>
+            </a:xfrm>
+            <a:prstGeom prst="line">
+              <a:avLst/>
+            </a:prstGeom>
+            <a:ln w="25400"/>
+          </p:spPr>
+          <p:style>
+            <a:lnRef idx="1">
+              <a:schemeClr val="accent1"/>
+            </a:lnRef>
+            <a:fillRef idx="0">
+              <a:schemeClr val="accent1"/>
+            </a:fillRef>
+            <a:effectRef idx="0">
+              <a:schemeClr val="accent1"/>
+            </a:effectRef>
+            <a:fontRef idx="minor">
+              <a:schemeClr val="tx1"/>
+            </a:fontRef>
+          </p:style>
+        </p:cxnSp>
+      </p:grpSp>
+      <p:grpSp>
+        <p:nvGrpSpPr>
+          <p:cNvPr id="21" name="그룹 20"/>
+          <p:cNvGrpSpPr/>
+          <p:nvPr/>
+        </p:nvGrpSpPr>
+        <p:grpSpPr>
+          <a:xfrm>
+            <a:off x="1259632" y="4362815"/>
+            <a:ext cx="4104456" cy="1872208"/>
+            <a:chOff x="4932040" y="4509120"/>
+            <a:chExt cx="4104456" cy="1872208"/>
+          </a:xfrm>
+        </p:grpSpPr>
+        <p:sp>
+          <p:nvSpPr>
+            <p:cNvPr id="9" name="타원 8">
+              <a:extLst>
+                <a:ext uri="{FF2B5EF4-FFF2-40B4-BE49-F238E27FC236}">
+                  <a16:creationId xmlns:a16="http://schemas.microsoft.com/office/drawing/2014/main" xmlns="" id="{98A7B190-17B0-42C3-941F-F6280F5BE20B}"/>
+                </a:ext>
+              </a:extLst>
+            </p:cNvPr>
+            <p:cNvSpPr/>
+            <p:nvPr/>
+          </p:nvSpPr>
+          <p:spPr>
+            <a:xfrm>
+              <a:off x="4932040" y="4509120"/>
+              <a:ext cx="4104456" cy="1872208"/>
+            </a:xfrm>
+            <a:prstGeom prst="ellipse">
+              <a:avLst/>
+            </a:prstGeom>
+            <a:noFill/>
+          </p:spPr>
+          <p:style>
+            <a:lnRef idx="2">
+              <a:schemeClr val="accent1">
+                <a:shade val="50000"/>
+              </a:schemeClr>
+            </a:lnRef>
+            <a:fillRef idx="1">
+              <a:schemeClr val="accent1"/>
+            </a:fillRef>
+            <a:effectRef idx="0">
+              <a:schemeClr val="accent1"/>
+            </a:effectRef>
+            <a:fontRef idx="minor">
+              <a:schemeClr val="lt1"/>
+            </a:fontRef>
+          </p:style>
+          <p:txBody>
+            <a:bodyPr lIns="0" tIns="0" rIns="0" bIns="0" rtlCol="0" anchor="ctr" anchorCtr="0"/>
+            <a:lstStyle/>
+            <a:p>
+              <a:pPr algn="ctr"/>
+              <a:r>
+                <a:rPr lang="en-US" altLang="ko-KR" sz="2400" b="1" smtClean="0">
+                  <a:solidFill>
+                    <a:schemeClr val="tx1"/>
+                  </a:solidFill>
+                </a:rPr>
+                <a:t>name</a:t>
+              </a:r>
+              <a:endParaRPr lang="en-US" altLang="ko-KR" sz="2400" b="1" dirty="0">
+                <a:solidFill>
+                  <a:schemeClr val="tx1"/>
+                </a:solidFill>
+              </a:endParaRPr>
+            </a:p>
+            <a:p>
+              <a:pPr algn="ctr"/>
+              <a:endParaRPr lang="en-US" altLang="ko-KR" sz="2400" b="1" dirty="0">
+                <a:solidFill>
+                  <a:schemeClr val="tx1"/>
+                </a:solidFill>
+              </a:endParaRPr>
+            </a:p>
+            <a:p>
+              <a:pPr algn="ctr"/>
+              <a:r>
+                <a:rPr lang="en-US" altLang="ko-KR" sz="2400" b="1" dirty="0" err="1">
+                  <a:solidFill>
+                    <a:schemeClr val="tx1"/>
+                  </a:solidFill>
+                </a:rPr>
+                <a:t>takeMoney</a:t>
+              </a:r>
+              <a:r>
+                <a:rPr lang="en-US" altLang="ko-KR" sz="2400" b="1" dirty="0">
+                  <a:solidFill>
+                    <a:schemeClr val="tx1"/>
+                  </a:solidFill>
+                </a:rPr>
+                <a:t>(1000)</a:t>
+              </a:r>
+              <a:endParaRPr lang="ko-KR" altLang="en-US" sz="2400" b="1" dirty="0">
+                <a:solidFill>
+                  <a:schemeClr val="tx1"/>
+                </a:solidFill>
+              </a:endParaRPr>
+            </a:p>
+          </p:txBody>
+        </p:sp>
+        <p:cxnSp>
+          <p:nvCxnSpPr>
+            <p:cNvPr id="11" name="직선 연결선 10">
+              <a:extLst>
+                <a:ext uri="{FF2B5EF4-FFF2-40B4-BE49-F238E27FC236}">
+                  <a16:creationId xmlns:a16="http://schemas.microsoft.com/office/drawing/2014/main" xmlns="" id="{1D95D00A-B593-4118-A65C-1D49748181D2}"/>
+                </a:ext>
+              </a:extLst>
+            </p:cNvPr>
+            <p:cNvCxnSpPr/>
+            <p:nvPr/>
+          </p:nvCxnSpPr>
+          <p:spPr>
+            <a:xfrm>
+              <a:off x="4932040" y="5589240"/>
+              <a:ext cx="4104456" cy="0"/>
+            </a:xfrm>
+            <a:prstGeom prst="line">
+              <a:avLst/>
+            </a:prstGeom>
+            <a:ln w="25400"/>
+          </p:spPr>
+          <p:style>
+            <a:lnRef idx="1">
+              <a:schemeClr val="accent1"/>
+            </a:lnRef>
+            <a:fillRef idx="0">
+              <a:schemeClr val="accent1"/>
+            </a:fillRef>
+            <a:effectRef idx="0">
+              <a:schemeClr val="accent1"/>
+            </a:effectRef>
+            <a:fontRef idx="minor">
+              <a:schemeClr val="tx1"/>
+            </a:fontRef>
+          </p:style>
+        </p:cxnSp>
+      </p:grpSp>
+      <p:sp>
+        <p:nvSpPr>
+          <p:cNvPr id="2" name="직사각형 1"/>
+          <p:cNvSpPr/>
+          <p:nvPr/>
+        </p:nvSpPr>
+        <p:spPr>
+          <a:xfrm>
+            <a:off x="6228184" y="2008677"/>
+            <a:ext cx="2113977" cy="800219"/>
+          </a:xfrm>
+          <a:prstGeom prst="rect">
+            <a:avLst/>
+          </a:prstGeom>
+        </p:spPr>
+        <p:txBody>
+          <a:bodyPr wrap="none">
+            <a:spAutoFit/>
+          </a:bodyPr>
+          <a:lstStyle/>
+          <a:p>
+            <a:pPr algn="ctr"/>
+            <a:r>
+              <a:rPr lang="en-US" altLang="ko-KR" sz="2800" b="1" dirty="0" err="1" smtClean="0"/>
+              <a:t>momPouch</a:t>
+            </a:r>
+            <a:endParaRPr lang="en-US" altLang="ko-KR" sz="2800" b="1" dirty="0" smtClean="0"/>
+          </a:p>
+          <a:p>
+            <a:pPr algn="ctr"/>
+            <a:r>
+              <a:rPr lang="en-US" altLang="ko-KR" b="1" dirty="0" smtClean="0"/>
+              <a:t>(</a:t>
+            </a:r>
+            <a:r>
+              <a:rPr lang="en-US" altLang="ko-KR" b="1" dirty="0"/>
+              <a:t>money:2000)</a:t>
+            </a:r>
+            <a:endParaRPr lang="en-US" altLang="ko-KR" sz="2800" b="1" dirty="0"/>
+          </a:p>
+        </p:txBody>
+      </p:sp>
+    </p:spTree>
+    <p:extLst>
+      <p:ext uri="{BB962C8B-B14F-4D97-AF65-F5344CB8AC3E}">
+        <p14:creationId xmlns:p14="http://schemas.microsoft.com/office/powerpoint/2010/main" val="2379240843"/>
+      </p:ext>
+    </p:extLst>
+  </p:cSld>
+  <p:clrMapOvr>
+    <a:masterClrMapping/>
+  </p:clrMapOvr>
+  <p:timing>
+    <p:tnLst>
+      <p:par>
+        <p:cTn id="1" dur="indefinite" restart="never" nodeType="tmRoot"/>
+      </p:par>
+    </p:tnLst>
+  </p:timing>
+</p:sld>
+</file>
+
+<file path=ppt/slides/slide5.xml><?xml version="1.0" encoding="utf-8"?>
 <p:sld xmlns:a="http://schemas.openxmlformats.org/drawingml/2006/main" xmlns:r="http://schemas.openxmlformats.org/officeDocument/2006/relationships" xmlns:p="http://schemas.openxmlformats.org/presentationml/2006/main">
   <p:cSld>
     <p:spTree>
@@ -5780,6 +6320,13 @@
   <p:clrMapOvr>
     <a:masterClrMapping/>
   </p:clrMapOvr>
+  <p:timing>
+    <p:tnLst>
+      <p:par>
+        <p:cTn id="1" dur="indefinite" restart="never" nodeType="tmRoot"/>
+      </p:par>
+    </p:tnLst>
+  </p:timing>
 </p:sld>
 </file>
 
